--- a/lolder.pptx
+++ b/lolder.pptx
@@ -121,7 +121,7 @@
 <p1510:revInfo xmlns:a="http://schemas.openxmlformats.org/drawingml/2006/main" xmlns:r="http://schemas.openxmlformats.org/officeDocument/2006/relationships" xmlns:p1510="http://schemas.microsoft.com/office/powerpoint/2015/10/main">
   <p1510:revLst>
     <p1510:client id="{2A26215C-13AA-4FF4-9DE5-BE187680234A}" v="6" dt="2020-11-05T22:05:31.832"/>
-    <p1510:client id="{BA48E47E-05EA-4839-BBDC-FF489D058404}" v="3132" dt="2020-11-06T16:14:57.622"/>
+    <p1510:client id="{BA48E47E-05EA-4839-BBDC-FF489D058404}" v="3907" dt="2020-11-06T16:37:52.044"/>
   </p1510:revLst>
 </p1510:revInfo>
 </file>
@@ -3966,23 +3966,19 @@
           <a:lstStyle/>
           <a:p>
             <a:r>
-              <a:rPr lang="en-US">
+              <a:rPr lang="en-US" sz="2400">
                 <a:latin typeface="Helvetica"/>
                 <a:cs typeface="Helvetica"/>
               </a:rPr>
               <a:t>Клиент-серверное приложение, с помощью которого пользователь сможет:</a:t>
             </a:r>
-            <a:endParaRPr lang="en-US" dirty="0">
-              <a:latin typeface="Helvetica"/>
-              <a:cs typeface="Helvetica"/>
-            </a:endParaRPr>
           </a:p>
           <a:p>
             <a:pPr marL="457200" indent="-457200">
               <a:buAutoNum type="arabicPeriod"/>
             </a:pPr>
             <a:r>
-              <a:rPr lang="en-US">
+              <a:rPr lang="en-US" sz="2400">
                 <a:latin typeface="Helvetica"/>
                 <a:cs typeface="Helvetica"/>
               </a:rPr>
@@ -3994,32 +3990,24 @@
               <a:buAutoNum type="arabicPeriod"/>
             </a:pPr>
             <a:r>
-              <a:rPr lang="en-US">
+              <a:rPr lang="en-US" sz="2400">
                 <a:latin typeface="Helvetica"/>
                 <a:cs typeface="Helvetica"/>
               </a:rPr>
               <a:t>Скачивать данные с сервера</a:t>
             </a:r>
-            <a:endParaRPr lang="en-US" dirty="0">
-              <a:latin typeface="Helvetica"/>
-              <a:cs typeface="Helvetica"/>
-            </a:endParaRPr>
           </a:p>
           <a:p>
             <a:pPr marL="457200" indent="-457200">
               <a:buAutoNum type="arabicPeriod"/>
             </a:pPr>
             <a:r>
-              <a:rPr lang="en-US">
+              <a:rPr lang="en-US" sz="2400">
                 <a:latin typeface="Helvetica"/>
                 <a:cs typeface="Helvetica"/>
               </a:rPr>
               <a:t>Удобно делиться данными (с помощью ссылок)</a:t>
             </a:r>
-            <a:endParaRPr lang="en-US" dirty="0">
-              <a:latin typeface="Helvetica"/>
-              <a:cs typeface="Helvetica"/>
-            </a:endParaRPr>
           </a:p>
         </p:txBody>
       </p:sp>
@@ -4107,7 +4095,7 @@
         <p:spPr/>
         <p:txBody>
           <a:bodyPr vert="horz" lIns="0" tIns="45720" rIns="0" bIns="45720" rtlCol="0" anchor="t">
-            <a:normAutofit/>
+            <a:noAutofit/>
           </a:bodyPr>
           <a:lstStyle/>
           <a:p>
@@ -4116,62 +4104,53 @@
               <a:buChar char="•"/>
             </a:pPr>
             <a:r>
-              <a:rPr lang="en-US">
+              <a:rPr lang="en-US" sz="2400">
                 <a:latin typeface="Helvetica"/>
                 <a:cs typeface="Helvetica"/>
               </a:rPr>
               <a:t>Flask – API для взаимодействия клиентов с сервером с помощью HTTP запросов:</a:t>
             </a:r>
-            <a:endParaRPr lang="en-US">
+            <a:endParaRPr lang="en-US" sz="2400">
               <a:cs typeface="Calibri"/>
             </a:endParaRPr>
           </a:p>
           <a:p>
-            <a:pPr marL="383540" lvl="1">
-              <a:buFont typeface="Courier New" panose="020F0502020204030204" pitchFamily="34" charset="0"/>
-              <a:buChar char="o"/>
-            </a:pPr>
-            <a:r>
-              <a:rPr lang="en-US" sz="2000">
+            <a:pPr marL="383540" lvl="1"/>
+            <a:r>
+              <a:rPr lang="en-US" sz="2200">
                 <a:latin typeface="Helvetica"/>
                 <a:cs typeface="Helvetica"/>
               </a:rPr>
               <a:t>GET /file_storage?file_guid=123 – получение файла по ID</a:t>
             </a:r>
-            <a:endParaRPr lang="en-US" sz="2000">
+            <a:endParaRPr lang="en-US" sz="2200">
               <a:cs typeface="Calibri" panose="020F0502020204030204"/>
             </a:endParaRPr>
           </a:p>
           <a:p>
-            <a:pPr marL="383540" lvl="1">
-              <a:buFont typeface="Courier New" panose="020F0502020204030204" pitchFamily="34" charset="0"/>
-              <a:buChar char="o"/>
-            </a:pPr>
-            <a:r>
-              <a:rPr lang="en-US" sz="2000">
+            <a:pPr marL="383540" lvl="1"/>
+            <a:r>
+              <a:rPr lang="en-US" sz="2200">
                 <a:latin typeface="Helvetica"/>
                 <a:cs typeface="Helvetica"/>
               </a:rPr>
               <a:t>POST /file_storage (файл прикрепляется к запросу) – загрузка файла на сервер</a:t>
             </a:r>
-            <a:endParaRPr lang="en-US" sz="2000">
+            <a:endParaRPr lang="en-US" sz="2200">
               <a:latin typeface="Calibri"/>
               <a:cs typeface="Calibri"/>
             </a:endParaRPr>
           </a:p>
           <a:p>
-            <a:pPr marL="383540" lvl="1">
-              <a:buFont typeface="Courier New" panose="020F0502020204030204" pitchFamily="34" charset="0"/>
-              <a:buChar char="o"/>
-            </a:pPr>
-            <a:r>
-              <a:rPr lang="en-US" sz="2000">
+            <a:pPr marL="383540" lvl="1"/>
+            <a:r>
+              <a:rPr lang="en-US" sz="2200">
                 <a:latin typeface="Helvetica"/>
                 <a:cs typeface="Helvetica"/>
               </a:rPr>
               <a:t>…</a:t>
             </a:r>
-            <a:endParaRPr lang="en-US" sz="2000" i="1">
+            <a:endParaRPr lang="en-US" sz="2200" i="1">
               <a:latin typeface="Calibri"/>
               <a:cs typeface="Calibri"/>
             </a:endParaRPr>
@@ -4182,55 +4161,116 @@
               <a:buChar char="•"/>
             </a:pPr>
             <a:r>
-              <a:rPr lang="en-US">
+              <a:rPr lang="en-US" sz="2400">
                 <a:latin typeface="Helvetica"/>
                 <a:cs typeface="Helvetica"/>
               </a:rPr>
               <a:t>MongoDB, pymongo – NoSQL БД, хранение пользовательских данных для авторизации, файлов, etc</a:t>
             </a:r>
+            <a:endParaRPr lang="en-US" sz="2400" dirty="0">
+              <a:latin typeface="Helvetica"/>
+              <a:cs typeface="Helvetica"/>
+            </a:endParaRPr>
+          </a:p>
+          <a:p>
+            <a:pPr marL="342900" indent="-342900">
+              <a:buFont typeface="Arial" panose="020F0502020204030204" pitchFamily="34" charset="0"/>
+              <a:buChar char="•"/>
+            </a:pPr>
+            <a:r>
+              <a:rPr lang="en-US" sz="2400">
+                <a:latin typeface="Helvetica"/>
+                <a:cs typeface="Helvetica"/>
+              </a:rPr>
+              <a:t>Вспомогательные классы:</a:t>
+            </a:r>
+            <a:endParaRPr lang="en-US" sz="2400" dirty="0">
+              <a:latin typeface="Helvetica"/>
+              <a:cs typeface="Helvetica"/>
+            </a:endParaRPr>
+          </a:p>
+          <a:p>
+            <a:pPr marL="383540" lvl="1"/>
+            <a:r>
+              <a:rPr lang="en-US" sz="2200">
+                <a:latin typeface="Helvetica"/>
+                <a:ea typeface="+mn-lt"/>
+                <a:cs typeface="+mn-lt"/>
+              </a:rPr>
+              <a:t>CredentialsResolver </a:t>
+            </a:r>
+            <a:r>
+              <a:rPr lang="en-US" sz="2200">
+                <a:latin typeface="Helvetica"/>
+                <a:ea typeface="+mn-lt"/>
+                <a:cs typeface="Helvetica"/>
+              </a:rPr>
+              <a:t>–</a:t>
+            </a:r>
+            <a:r>
+              <a:rPr lang="en-US" sz="2200">
+                <a:latin typeface="Helvetica"/>
+                <a:ea typeface="+mn-lt"/>
+                <a:cs typeface="+mn-lt"/>
+              </a:rPr>
+              <a:t> класс для хеширвония паролей</a:t>
+            </a:r>
+            <a:endParaRPr lang="en-US" sz="2200">
+              <a:latin typeface="Helvetica"/>
+              <a:cs typeface="Helvetica"/>
+            </a:endParaRPr>
+          </a:p>
+          <a:p>
+            <a:pPr marL="383540" lvl="1"/>
+            <a:r>
+              <a:rPr lang="en-US" sz="2200">
+                <a:latin typeface="Helvetica"/>
+                <a:ea typeface="+mn-lt"/>
+                <a:cs typeface="+mn-lt"/>
+              </a:rPr>
+              <a:t>AuthorizationContext</a:t>
+            </a:r>
+            <a:r>
+              <a:rPr lang="en-US" sz="2200" dirty="0">
+                <a:latin typeface="Helvetica"/>
+                <a:ea typeface="+mn-lt"/>
+                <a:cs typeface="Calibri"/>
+              </a:rPr>
+              <a:t> </a:t>
+            </a:r>
+            <a:r>
+              <a:rPr lang="en-US" sz="2200" dirty="0">
+                <a:latin typeface="Helvetica"/>
+                <a:ea typeface="+mn-lt"/>
+                <a:cs typeface="Helvetica"/>
+              </a:rPr>
+              <a:t>–</a:t>
+            </a:r>
+            <a:r>
+              <a:rPr lang="en-US" sz="2200">
+                <a:latin typeface="Helvetica"/>
+                <a:ea typeface="+mn-lt"/>
+                <a:cs typeface="+mn-lt"/>
+              </a:rPr>
+              <a:t> датакласс для хранения данных авторизации</a:t>
+            </a:r>
+            <a:endParaRPr lang="en-US" sz="2200">
+              <a:latin typeface="Helvetica"/>
+              <a:cs typeface="Calibri"/>
+            </a:endParaRPr>
           </a:p>
           <a:p>
             <a:pPr marL="383540" lvl="1">
               <a:buFont typeface="Arial" panose="020F0502020204030204" pitchFamily="34" charset="0"/>
               <a:buChar char="•"/>
             </a:pPr>
-            <a:endParaRPr lang="en-US" sz="2000" dirty="0">
+            <a:endParaRPr lang="en-US" sz="2400" dirty="0">
               <a:latin typeface="Helvetica"/>
               <a:cs typeface="Helvetica"/>
             </a:endParaRPr>
           </a:p>
         </p:txBody>
       </p:sp>
-      <p:pic>
-        <p:nvPicPr>
-          <p:cNvPr id="6" name="Picture 6" descr="Text&#10;&#10;Description automatically generated">
-            <a:extLst>
-              <a:ext uri="{FF2B5EF4-FFF2-40B4-BE49-F238E27FC236}">
-                <a16:creationId xmlns:a16="http://schemas.microsoft.com/office/drawing/2014/main" id="{253C5CEB-2580-4368-87E2-9F87EEDE2363}"/>
-              </a:ext>
-            </a:extLst>
-          </p:cNvPr>
-          <p:cNvPicPr>
-            <a:picLocks noChangeAspect="1"/>
-          </p:cNvPicPr>
-          <p:nvPr/>
-        </p:nvPicPr>
-        <p:blipFill>
-          <a:blip r:embed="rId2"/>
-          <a:stretch>
-            <a:fillRect/>
-          </a:stretch>
-        </p:blipFill>
-        <p:spPr>
-          <a:xfrm>
-            <a:off x="1426507" y="4020359"/>
-            <a:ext cx="2743200" cy="1737205"/>
-          </a:xfrm>
-          <a:prstGeom prst="rect">
-            <a:avLst/>
-          </a:prstGeom>
-        </p:spPr>
-      </p:pic>
     </p:spTree>
     <p:extLst>
       <p:ext uri="{BB962C8B-B14F-4D97-AF65-F5344CB8AC3E}">
@@ -4381,6 +4421,56 @@
             <a:endParaRPr lang="en-US" sz="2400" dirty="0">
               <a:latin typeface="Helvetica"/>
               <a:cs typeface="Helvetica"/>
+            </a:endParaRPr>
+          </a:p>
+          <a:p>
+            <a:pPr marL="342900" indent="-342900">
+              <a:buFont typeface="Arial" panose="020F0502020204030204" pitchFamily="34" charset="0"/>
+              <a:buChar char="•"/>
+            </a:pPr>
+            <a:r>
+              <a:rPr lang="en-US" sz="2400">
+                <a:latin typeface="Helvetica"/>
+                <a:cs typeface="Helvetica"/>
+              </a:rPr>
+              <a:t>Вспомогательные классы:</a:t>
+            </a:r>
+            <a:endParaRPr lang="en-US" sz="2200">
+              <a:latin typeface="Calibri" panose="020F0502020204030204"/>
+              <a:cs typeface="Calibri"/>
+            </a:endParaRPr>
+          </a:p>
+          <a:p>
+            <a:pPr marL="383540" lvl="1">
+              <a:buFont typeface="Calibri"/>
+              <a:buChar char="◦"/>
+            </a:pPr>
+            <a:r>
+              <a:rPr lang="en-US" sz="2000">
+                <a:latin typeface="Helvetica"/>
+                <a:cs typeface="Helvetica"/>
+              </a:rPr>
+              <a:t>ApiClient – класс для создания авторизированных запросов к серверу</a:t>
+            </a:r>
+            <a:endParaRPr lang="en-US">
+              <a:latin typeface="Calibri" panose="020F0502020204030204"/>
+              <a:cs typeface="Calibri"/>
+            </a:endParaRPr>
+          </a:p>
+          <a:p>
+            <a:pPr marL="383540" lvl="1">
+              <a:buFont typeface="Calibri"/>
+              <a:buChar char="◦"/>
+            </a:pPr>
+            <a:r>
+              <a:rPr lang="en-US" sz="2200">
+                <a:latin typeface="Helvetica"/>
+                <a:cs typeface="Helvetica"/>
+              </a:rPr>
+              <a:t>LoginDialog(QDialog) – класс для диалогового окна авторизации </a:t>
+            </a:r>
+            <a:endParaRPr lang="en-US">
+              <a:cs typeface="Calibri"/>
             </a:endParaRPr>
           </a:p>
           <a:p>

--- a/lolder.pptx
+++ b/lolder.pptx
@@ -121,7 +121,7 @@
 <p1510:revInfo xmlns:a="http://schemas.openxmlformats.org/drawingml/2006/main" xmlns:r="http://schemas.openxmlformats.org/officeDocument/2006/relationships" xmlns:p1510="http://schemas.microsoft.com/office/powerpoint/2015/10/main">
   <p1510:revLst>
     <p1510:client id="{2A26215C-13AA-4FF4-9DE5-BE187680234A}" v="6" dt="2020-11-05T22:05:31.832"/>
-    <p1510:client id="{BA48E47E-05EA-4839-BBDC-FF489D058404}" v="3907" dt="2020-11-06T16:37:52.044"/>
+    <p1510:client id="{BA48E47E-05EA-4839-BBDC-FF489D058404}" v="3915" dt="2020-11-06T16:39:33.718"/>
   </p1510:revLst>
 </p1510:revInfo>
 </file>
@@ -4213,7 +4213,7 @@
                 <a:ea typeface="+mn-lt"/>
                 <a:cs typeface="+mn-lt"/>
               </a:rPr>
-              <a:t> класс для хеширвония паролей</a:t>
+              <a:t> класс для хеширования паролей</a:t>
             </a:r>
             <a:endParaRPr lang="en-US" sz="2200">
               <a:latin typeface="Helvetica"/>
